--- a/dfr_metadata/paper/fig/fat2.pptx
+++ b/dfr_metadata/paper/fig/fat2.pptx
@@ -259,7 +259,7 @@
           <a:p>
             <a:fld id="{CFC90A4D-0449-FE4F-8963-89C122A9FB4A}" type="datetimeFigureOut">
               <a:rPr lang="en-US" smtClean="0"/>
-              <a:t>10/25/19</a:t>
+              <a:t>10/26/19</a:t>
             </a:fld>
             <a:endParaRPr lang="en-US"/>
           </a:p>
@@ -457,7 +457,7 @@
           <a:p>
             <a:fld id="{CFC90A4D-0449-FE4F-8963-89C122A9FB4A}" type="datetimeFigureOut">
               <a:rPr lang="en-US" smtClean="0"/>
-              <a:t>10/25/19</a:t>
+              <a:t>10/26/19</a:t>
             </a:fld>
             <a:endParaRPr lang="en-US"/>
           </a:p>
@@ -665,7 +665,7 @@
           <a:p>
             <a:fld id="{CFC90A4D-0449-FE4F-8963-89C122A9FB4A}" type="datetimeFigureOut">
               <a:rPr lang="en-US" smtClean="0"/>
-              <a:t>10/25/19</a:t>
+              <a:t>10/26/19</a:t>
             </a:fld>
             <a:endParaRPr lang="en-US"/>
           </a:p>
@@ -863,7 +863,7 @@
           <a:p>
             <a:fld id="{CFC90A4D-0449-FE4F-8963-89C122A9FB4A}" type="datetimeFigureOut">
               <a:rPr lang="en-US" smtClean="0"/>
-              <a:t>10/25/19</a:t>
+              <a:t>10/26/19</a:t>
             </a:fld>
             <a:endParaRPr lang="en-US"/>
           </a:p>
@@ -1138,7 +1138,7 @@
           <a:p>
             <a:fld id="{CFC90A4D-0449-FE4F-8963-89C122A9FB4A}" type="datetimeFigureOut">
               <a:rPr lang="en-US" smtClean="0"/>
-              <a:t>10/25/19</a:t>
+              <a:t>10/26/19</a:t>
             </a:fld>
             <a:endParaRPr lang="en-US"/>
           </a:p>
@@ -1403,7 +1403,7 @@
           <a:p>
             <a:fld id="{CFC90A4D-0449-FE4F-8963-89C122A9FB4A}" type="datetimeFigureOut">
               <a:rPr lang="en-US" smtClean="0"/>
-              <a:t>10/25/19</a:t>
+              <a:t>10/26/19</a:t>
             </a:fld>
             <a:endParaRPr lang="en-US"/>
           </a:p>
@@ -1815,7 +1815,7 @@
           <a:p>
             <a:fld id="{CFC90A4D-0449-FE4F-8963-89C122A9FB4A}" type="datetimeFigureOut">
               <a:rPr lang="en-US" smtClean="0"/>
-              <a:t>10/25/19</a:t>
+              <a:t>10/26/19</a:t>
             </a:fld>
             <a:endParaRPr lang="en-US"/>
           </a:p>
@@ -1956,7 +1956,7 @@
           <a:p>
             <a:fld id="{CFC90A4D-0449-FE4F-8963-89C122A9FB4A}" type="datetimeFigureOut">
               <a:rPr lang="en-US" smtClean="0"/>
-              <a:t>10/25/19</a:t>
+              <a:t>10/26/19</a:t>
             </a:fld>
             <a:endParaRPr lang="en-US"/>
           </a:p>
@@ -2069,7 +2069,7 @@
           <a:p>
             <a:fld id="{CFC90A4D-0449-FE4F-8963-89C122A9FB4A}" type="datetimeFigureOut">
               <a:rPr lang="en-US" smtClean="0"/>
-              <a:t>10/25/19</a:t>
+              <a:t>10/26/19</a:t>
             </a:fld>
             <a:endParaRPr lang="en-US"/>
           </a:p>
@@ -2380,7 +2380,7 @@
           <a:p>
             <a:fld id="{CFC90A4D-0449-FE4F-8963-89C122A9FB4A}" type="datetimeFigureOut">
               <a:rPr lang="en-US" smtClean="0"/>
-              <a:t>10/25/19</a:t>
+              <a:t>10/26/19</a:t>
             </a:fld>
             <a:endParaRPr lang="en-US"/>
           </a:p>
@@ -2668,7 +2668,7 @@
           <a:p>
             <a:fld id="{CFC90A4D-0449-FE4F-8963-89C122A9FB4A}" type="datetimeFigureOut">
               <a:rPr lang="en-US" smtClean="0"/>
-              <a:t>10/25/19</a:t>
+              <a:t>10/26/19</a:t>
             </a:fld>
             <a:endParaRPr lang="en-US"/>
           </a:p>
@@ -2909,7 +2909,7 @@
           <a:p>
             <a:fld id="{CFC90A4D-0449-FE4F-8963-89C122A9FB4A}" type="datetimeFigureOut">
               <a:rPr lang="en-US" smtClean="0"/>
-              <a:t>10/25/19</a:t>
+              <a:t>10/26/19</a:t>
             </a:fld>
             <a:endParaRPr lang="en-US"/>
           </a:p>
@@ -3341,9 +3341,9 @@
         <p:grpSpPr>
           <a:xfrm>
             <a:off x="213420" y="310242"/>
-            <a:ext cx="11771752" cy="6319157"/>
+            <a:ext cx="11771752" cy="5922262"/>
             <a:chOff x="620486" y="714894"/>
-            <a:chExt cx="8416511" cy="4410255"/>
+            <a:chExt cx="8416511" cy="4133255"/>
           </a:xfrm>
         </p:grpSpPr>
         <p:sp>
@@ -3993,41 +3993,6 @@
         </p:cxnSp>
         <p:sp>
           <p:nvSpPr>
-            <p:cNvPr id="27" name="TextBox 26">
-              <a:extLst>
-                <a:ext uri="{FF2B5EF4-FFF2-40B4-BE49-F238E27FC236}">
-                  <a16:creationId xmlns:a16="http://schemas.microsoft.com/office/drawing/2014/main" id="{1379EE74-228A-8D44-9C4B-F63EA99A2F9D}"/>
-                </a:ext>
-              </a:extLst>
-            </p:cNvPr>
-            <p:cNvSpPr txBox="1"/>
-            <p:nvPr/>
-          </p:nvSpPr>
-          <p:spPr>
-            <a:xfrm>
-              <a:off x="2409312" y="1673327"/>
-              <a:ext cx="535724" cy="369332"/>
-            </a:xfrm>
-            <a:prstGeom prst="rect">
-              <a:avLst/>
-            </a:prstGeom>
-            <a:noFill/>
-          </p:spPr>
-          <p:txBody>
-            <a:bodyPr wrap="none" rtlCol="0">
-              <a:spAutoFit/>
-            </a:bodyPr>
-            <a:lstStyle/>
-            <a:p>
-              <a:r>
-                <a:rPr lang="en-US" dirty="0"/>
-                <a:t>100</a:t>
-              </a:r>
-            </a:p>
-          </p:txBody>
-        </p:sp>
-        <p:sp>
-          <p:nvSpPr>
             <p:cNvPr id="28" name="TextBox 27">
               <a:extLst>
                 <a:ext uri="{FF2B5EF4-FFF2-40B4-BE49-F238E27FC236}">
@@ -4082,7 +4047,7 @@
           <p:spPr>
             <a:xfrm>
               <a:off x="667484" y="1637433"/>
-              <a:ext cx="608079" cy="257764"/>
+              <a:ext cx="751342" cy="257764"/>
             </a:xfrm>
             <a:prstGeom prst="rect">
               <a:avLst/>
@@ -4097,13 +4062,16 @@
             <a:p>
               <a:r>
                 <a:rPr lang="en-US" dirty="0"/>
-                <a:t>_</a:t>
+                <a:t>“_</a:t>
               </a:r>
               <a:r>
                 <a:rPr lang="en-US" dirty="0" err="1"/>
                 <a:t>oo.txt</a:t>
               </a:r>
-              <a:endParaRPr lang="en-US" dirty="0"/>
+              <a:r>
+                <a:rPr lang="en-US" dirty="0"/>
+                <a:t>”</a:t>
+              </a:r>
             </a:p>
           </p:txBody>
         </p:sp>
@@ -4122,7 +4090,7 @@
           <p:spPr>
             <a:xfrm>
               <a:off x="7162598" y="4478818"/>
-              <a:ext cx="659540" cy="646331"/>
+              <a:ext cx="738231" cy="257764"/>
             </a:xfrm>
             <a:prstGeom prst="rect">
               <a:avLst/>
@@ -4137,13 +4105,7 @@
             <a:p>
               <a:r>
                 <a:rPr lang="en-US" dirty="0"/>
-                <a:t>FAT</a:t>
-              </a:r>
-            </a:p>
-            <a:p>
-              <a:r>
-                <a:rPr lang="en-US" dirty="0"/>
-                <a:t>table</a:t>
+                <a:t>FAT table</a:t>
               </a:r>
             </a:p>
           </p:txBody>
@@ -4510,7 +4472,7 @@
           <p:spPr>
             <a:xfrm>
               <a:off x="667484" y="2266833"/>
-              <a:ext cx="2814681" cy="369332"/>
+              <a:ext cx="2009080" cy="257764"/>
             </a:xfrm>
             <a:prstGeom prst="rect">
               <a:avLst/>
@@ -4532,10 +4494,18 @@
                 <a:t> of file </a:t>
               </a:r>
               <a:r>
-                <a:rPr lang="en-US" dirty="0" err="1"/>
+                <a:rPr lang="en-US" i="1" dirty="0" err="1">
+                  <a:solidFill>
+                    <a:srgbClr val="0070C0"/>
+                  </a:solidFill>
+                </a:rPr>
                 <a:t>foo.txt</a:t>
               </a:r>
-              <a:endParaRPr lang="en-US" dirty="0"/>
+              <a:endParaRPr lang="en-US" i="1" dirty="0">
+                <a:solidFill>
+                  <a:srgbClr val="0070C0"/>
+                </a:solidFill>
+              </a:endParaRPr>
             </a:p>
           </p:txBody>
         </p:sp>
@@ -4762,6 +4732,47 @@
           </p:txBody>
         </p:sp>
       </p:grpSp>
+      <p:sp>
+        <p:nvSpPr>
+          <p:cNvPr id="41" name="TextBox 40">
+            <a:extLst>
+              <a:ext uri="{FF2B5EF4-FFF2-40B4-BE49-F238E27FC236}">
+                <a16:creationId xmlns:a16="http://schemas.microsoft.com/office/drawing/2014/main" id="{80E79EBC-93CA-D64E-A40E-3AA0161A69B4}"/>
+              </a:ext>
+            </a:extLst>
+          </p:cNvPr>
+          <p:cNvSpPr txBox="1"/>
+          <p:nvPr/>
+        </p:nvSpPr>
+        <p:spPr>
+          <a:xfrm>
+            <a:off x="2521385" y="1588263"/>
+            <a:ext cx="1280863" cy="646331"/>
+          </a:xfrm>
+          <a:prstGeom prst="rect">
+            <a:avLst/>
+          </a:prstGeom>
+          <a:noFill/>
+        </p:spPr>
+        <p:txBody>
+          <a:bodyPr wrap="none" rtlCol="0">
+            <a:spAutoFit/>
+          </a:bodyPr>
+          <a:lstStyle/>
+          <a:p>
+            <a:r>
+              <a:rPr lang="en-US" dirty="0"/>
+              <a:t>Starting</a:t>
+            </a:r>
+          </a:p>
+          <a:p>
+            <a:r>
+              <a:rPr lang="en-US" dirty="0"/>
+              <a:t>cluster=100</a:t>
+            </a:r>
+          </a:p>
+        </p:txBody>
+      </p:sp>
     </p:spTree>
     <p:extLst>
       <p:ext uri="{BB962C8B-B14F-4D97-AF65-F5344CB8AC3E}">
